--- a/lectures/13/1_presentation.pptx
+++ b/lectures/13/1_presentation.pptx
@@ -217,7 +217,7 @@
           <a:p>
             <a:fld id="{73B2889B-A0AC-4482-8592-5C96F2309420}" type="datetimeFigureOut">
               <a:rPr lang="en-US" smtClean="0"/>
-              <a:t>11/14/2021</a:t>
+              <a:t>11/17/2021</a:t>
             </a:fld>
             <a:endParaRPr lang="en-US"/>
           </a:p>
@@ -394,7 +394,7 @@
           <a:p>
             <a:fld id="{830EB223-FFC0-462A-A3B8-EAA7CE0F8CBD}" type="datetimeFigureOut">
               <a:rPr lang="en-US" smtClean="0"/>
-              <a:t>11/14/2021</a:t>
+              <a:t>11/17/2021</a:t>
             </a:fld>
             <a:endParaRPr lang="en-US" dirty="0"/>
           </a:p>
@@ -798,6 +798,9 @@
             </a:r>
           </a:p>
           <a:p>
+            <a:endParaRPr lang="en-US" dirty="0"/>
+          </a:p>
+          <a:p>
             <a:r>
               <a:rPr lang="en-US" dirty="0"/>
               <a:t>Click </a:t>
@@ -1247,7 +1250,7 @@
           <a:p>
             <a:fld id="{DECF21A4-E71B-4D3A-AF45-E989C23A7BB1}" type="datetimeFigureOut">
               <a:rPr lang="en-US" smtClean="0"/>
-              <a:t>11/14/2021</a:t>
+              <a:t>11/17/2021</a:t>
             </a:fld>
             <a:endParaRPr lang="en-US" dirty="0"/>
           </a:p>
@@ -1445,7 +1448,7 @@
           <a:p>
             <a:fld id="{DECF21A4-E71B-4D3A-AF45-E989C23A7BB1}" type="datetimeFigureOut">
               <a:rPr lang="en-US" smtClean="0"/>
-              <a:t>11/14/2021</a:t>
+              <a:t>11/17/2021</a:t>
             </a:fld>
             <a:endParaRPr lang="en-US" dirty="0"/>
           </a:p>
@@ -1653,7 +1656,7 @@
           <a:p>
             <a:fld id="{DECF21A4-E71B-4D3A-AF45-E989C23A7BB1}" type="datetimeFigureOut">
               <a:rPr lang="en-US" smtClean="0"/>
-              <a:t>11/14/2021</a:t>
+              <a:t>11/17/2021</a:t>
             </a:fld>
             <a:endParaRPr lang="en-US" dirty="0"/>
           </a:p>
@@ -1851,7 +1854,7 @@
           <a:p>
             <a:fld id="{DECF21A4-E71B-4D3A-AF45-E989C23A7BB1}" type="datetimeFigureOut">
               <a:rPr lang="en-US" smtClean="0"/>
-              <a:t>11/14/2021</a:t>
+              <a:t>11/17/2021</a:t>
             </a:fld>
             <a:endParaRPr lang="en-US" dirty="0"/>
           </a:p>
@@ -2126,7 +2129,7 @@
           <a:p>
             <a:fld id="{DECF21A4-E71B-4D3A-AF45-E989C23A7BB1}" type="datetimeFigureOut">
               <a:rPr lang="en-US" smtClean="0"/>
-              <a:t>11/14/2021</a:t>
+              <a:t>11/17/2021</a:t>
             </a:fld>
             <a:endParaRPr lang="en-US" dirty="0"/>
           </a:p>
@@ -2391,7 +2394,7 @@
           <a:p>
             <a:fld id="{DECF21A4-E71B-4D3A-AF45-E989C23A7BB1}" type="datetimeFigureOut">
               <a:rPr lang="en-US" smtClean="0"/>
-              <a:t>11/14/2021</a:t>
+              <a:t>11/17/2021</a:t>
             </a:fld>
             <a:endParaRPr lang="en-US" dirty="0"/>
           </a:p>
@@ -2803,7 +2806,7 @@
           <a:p>
             <a:fld id="{DECF21A4-E71B-4D3A-AF45-E989C23A7BB1}" type="datetimeFigureOut">
               <a:rPr lang="en-US" smtClean="0"/>
-              <a:t>11/14/2021</a:t>
+              <a:t>11/17/2021</a:t>
             </a:fld>
             <a:endParaRPr lang="en-US" dirty="0"/>
           </a:p>
@@ -2944,7 +2947,7 @@
           <a:p>
             <a:fld id="{DECF21A4-E71B-4D3A-AF45-E989C23A7BB1}" type="datetimeFigureOut">
               <a:rPr lang="en-US" smtClean="0"/>
-              <a:t>11/14/2021</a:t>
+              <a:t>11/17/2021</a:t>
             </a:fld>
             <a:endParaRPr lang="en-US" dirty="0"/>
           </a:p>
@@ -3057,7 +3060,7 @@
           <a:p>
             <a:fld id="{DECF21A4-E71B-4D3A-AF45-E989C23A7BB1}" type="datetimeFigureOut">
               <a:rPr lang="en-US" smtClean="0"/>
-              <a:t>11/14/2021</a:t>
+              <a:t>11/17/2021</a:t>
             </a:fld>
             <a:endParaRPr lang="en-US" dirty="0"/>
           </a:p>
@@ -3368,7 +3371,7 @@
           <a:p>
             <a:fld id="{DECF21A4-E71B-4D3A-AF45-E989C23A7BB1}" type="datetimeFigureOut">
               <a:rPr lang="en-US" smtClean="0"/>
-              <a:t>11/14/2021</a:t>
+              <a:t>11/17/2021</a:t>
             </a:fld>
             <a:endParaRPr lang="en-US" dirty="0"/>
           </a:p>
@@ -3660,7 +3663,7 @@
           <a:p>
             <a:fld id="{DECF21A4-E71B-4D3A-AF45-E989C23A7BB1}" type="datetimeFigureOut">
               <a:rPr lang="en-US" smtClean="0"/>
-              <a:t>11/14/2021</a:t>
+              <a:t>11/17/2021</a:t>
             </a:fld>
             <a:endParaRPr lang="en-US" dirty="0"/>
           </a:p>
@@ -3901,7 +3904,7 @@
           <a:p>
             <a:fld id="{DECF21A4-E71B-4D3A-AF45-E989C23A7BB1}" type="datetimeFigureOut">
               <a:rPr lang="en-US" smtClean="0"/>
-              <a:t>11/14/2021</a:t>
+              <a:t>11/17/2021</a:t>
             </a:fld>
             <a:endParaRPr lang="en-US" dirty="0"/>
           </a:p>
@@ -7830,20 +7833,20 @@
 </file>
 
 <file path=customXml/item1.xml><?xml version="1.0" encoding="utf-8"?>
+<p:properties xmlns:p="http://schemas.microsoft.com/office/2006/metadata/properties" xmlns:xsi="http://www.w3.org/2001/XMLSchema-instance" xmlns:pc="http://schemas.microsoft.com/office/infopath/2007/PartnerControls">
+  <documentManagement>
+    <MediaServiceKeyPoints xmlns="71af3243-3dd4-4a8d-8c0d-dd76da1f02a5" xsi:nil="true"/>
+  </documentManagement>
+</p:properties>
+</file>
+
+<file path=customXml/item2.xml><?xml version="1.0" encoding="utf-8"?>
 <?mso-contentType ?>
 <FormTemplates xmlns="http://schemas.microsoft.com/sharepoint/v3/contenttype/forms">
   <Display>DocumentLibraryForm</Display>
   <Edit>DocumentLibraryForm</Edit>
   <New>DocumentLibraryForm</New>
 </FormTemplates>
-</file>
-
-<file path=customXml/item2.xml><?xml version="1.0" encoding="utf-8"?>
-<p:properties xmlns:p="http://schemas.microsoft.com/office/2006/metadata/properties" xmlns:xsi="http://www.w3.org/2001/XMLSchema-instance" xmlns:pc="http://schemas.microsoft.com/office/infopath/2007/PartnerControls">
-  <documentManagement>
-    <MediaServiceKeyPoints xmlns="71af3243-3dd4-4a8d-8c0d-dd76da1f02a5" xsi:nil="true"/>
-  </documentManagement>
-</p:properties>
 </file>
 
 <file path=customXml/item3.xml><?xml version="1.0" encoding="utf-8"?>
@@ -8058,19 +8061,19 @@
 </file>
 
 <file path=customXml/itemProps1.xml><?xml version="1.0" encoding="utf-8"?>
-<ds:datastoreItem xmlns:ds="http://schemas.openxmlformats.org/officeDocument/2006/customXml" ds:itemID="{5CA875DA-F9FD-4F83-A049-3B1027B542DE}">
+<ds:datastoreItem xmlns:ds="http://schemas.openxmlformats.org/officeDocument/2006/customXml" ds:itemID="{03C7D9E6-B0D9-433E-BD46-EB60F64F4DA8}">
   <ds:schemaRefs>
-    <ds:schemaRef ds:uri="http://schemas.microsoft.com/sharepoint/v3/contenttype/forms"/>
+    <ds:schemaRef ds:uri="http://schemas.microsoft.com/office/2006/metadata/properties"/>
+    <ds:schemaRef ds:uri="http://schemas.microsoft.com/office/infopath/2007/PartnerControls"/>
+    <ds:schemaRef ds:uri="71af3243-3dd4-4a8d-8c0d-dd76da1f02a5"/>
   </ds:schemaRefs>
 </ds:datastoreItem>
 </file>
 
 <file path=customXml/itemProps2.xml><?xml version="1.0" encoding="utf-8"?>
-<ds:datastoreItem xmlns:ds="http://schemas.openxmlformats.org/officeDocument/2006/customXml" ds:itemID="{03C7D9E6-B0D9-433E-BD46-EB60F64F4DA8}">
+<ds:datastoreItem xmlns:ds="http://schemas.openxmlformats.org/officeDocument/2006/customXml" ds:itemID="{5CA875DA-F9FD-4F83-A049-3B1027B542DE}">
   <ds:schemaRefs>
-    <ds:schemaRef ds:uri="http://schemas.microsoft.com/office/2006/metadata/properties"/>
-    <ds:schemaRef ds:uri="http://schemas.microsoft.com/office/infopath/2007/PartnerControls"/>
-    <ds:schemaRef ds:uri="71af3243-3dd4-4a8d-8c0d-dd76da1f02a5"/>
+    <ds:schemaRef ds:uri="http://schemas.microsoft.com/sharepoint/v3/contenttype/forms"/>
   </ds:schemaRefs>
 </ds:datastoreItem>
 </file>
